--- a/Smart_AQMS_Presentation.pptx
+++ b/Smart_AQMS_Presentation.pptx
@@ -7997,7 +7997,7 @@
         </p:blipFill>
         <p:spPr>
           <a:xfrm>
-            <a:off x="-157400" y="-58000"/>
+            <a:off x="-323087" y="-434975"/>
             <a:ext cx="9790176" cy="6916000"/>
           </a:xfrm>
           <a:prstGeom prst="rect">
